--- a/slides/Dantoni-Opsgility-MSFabric-Module3 v2.pptx
+++ b/slides/Dantoni-Opsgility-MSFabric-Module3 v2.pptx
@@ -126,6 +126,43 @@
     </p:ext>
   </p:extLst>
 </p:presentation>
+</file>
+
+<file path=ppt/revisionInfo.xml><?xml version="1.0" encoding="utf-8"?>
+<p1510:revInfo xmlns:a="http://schemas.openxmlformats.org/drawingml/2006/main" xmlns:r="http://schemas.openxmlformats.org/officeDocument/2006/relationships" xmlns:p1510="http://schemas.microsoft.com/office/powerpoint/2015/10/main">
+  <p1510:revLst>
+    <p1510:client id="{CC58B501-DAB1-167F-9EB4-9D1568157EE7}" v="1" dt="2023-09-25T09:36:48.664"/>
+  </p1510:revLst>
+</p1510:revInfo>
+</file>
+
+<file path=ppt/changesInfos/changesInfo1.xml><?xml version="1.0" encoding="utf-8"?>
+<pc:chgInfo xmlns:a="http://schemas.openxmlformats.org/drawingml/2006/main" xmlns:r="http://schemas.openxmlformats.org/officeDocument/2006/relationships" xmlns:ac="http://schemas.microsoft.com/office/drawing/2013/main/command" xmlns:pc="http://schemas.microsoft.com/office/powerpoint/2013/main/command">
+  <pc:docChgLst>
+    <pc:chgData name="Meagan Longoria" userId="S::meagan@dcac.com::5bb0f969-1731-49a3-87cb-f923b6b540b9" providerId="AD" clId="Web-{CC58B501-DAB1-167F-9EB4-9D1568157EE7}"/>
+    <pc:docChg chg="modSld">
+      <pc:chgData name="Meagan Longoria" userId="S::meagan@dcac.com::5bb0f969-1731-49a3-87cb-f923b6b540b9" providerId="AD" clId="Web-{CC58B501-DAB1-167F-9EB4-9D1568157EE7}" dt="2023-09-25T09:36:48.664" v="0" actId="20577"/>
+      <pc:docMkLst>
+        <pc:docMk/>
+      </pc:docMkLst>
+      <pc:sldChg chg="modSp">
+        <pc:chgData name="Meagan Longoria" userId="S::meagan@dcac.com::5bb0f969-1731-49a3-87cb-f923b6b540b9" providerId="AD" clId="Web-{CC58B501-DAB1-167F-9EB4-9D1568157EE7}" dt="2023-09-25T09:36:48.664" v="0" actId="20577"/>
+        <pc:sldMkLst>
+          <pc:docMk/>
+          <pc:sldMk cId="19297968" sldId="2147470553"/>
+        </pc:sldMkLst>
+        <pc:spChg chg="mod">
+          <ac:chgData name="Meagan Longoria" userId="S::meagan@dcac.com::5bb0f969-1731-49a3-87cb-f923b6b540b9" providerId="AD" clId="Web-{CC58B501-DAB1-167F-9EB4-9D1568157EE7}" dt="2023-09-25T09:36:48.664" v="0" actId="20577"/>
+          <ac:spMkLst>
+            <pc:docMk/>
+            <pc:sldMk cId="19297968" sldId="2147470553"/>
+            <ac:spMk id="3" creationId="{33B3B159-A982-E03B-7830-66591F295CD8}"/>
+          </ac:spMkLst>
+        </pc:spChg>
+      </pc:sldChg>
+    </pc:docChg>
+  </pc:docChgLst>
+</pc:chgInfo>
 </file>
 
 <file path=ppt/diagrams/colors1.xml><?xml version="1.0" encoding="utf-8"?>
@@ -3492,7 +3529,7 @@
           <a:p>
             <a:fld id="{0D354273-E04F-4A6B-AB46-301CAB090479}" type="datetimeFigureOut">
               <a:rPr lang="en-US" smtClean="0"/>
-              <a:t>9/21/2023</a:t>
+              <a:t>9/25/2023</a:t>
             </a:fld>
             <a:endParaRPr lang="en-US"/>
           </a:p>
@@ -12846,7 +12883,7 @@
           </a:xfrm>
         </p:spPr>
         <p:txBody>
-          <a:bodyPr wrap="square">
+          <a:bodyPr vert="horz" wrap="square" lIns="0" tIns="0" rIns="0" bIns="0" rtlCol="0" anchor="t">
             <a:normAutofit/>
           </a:bodyPr>
           <a:lstStyle/>
@@ -12857,9 +12894,12 @@
               </a:spcAft>
             </a:pPr>
             <a:r>
-              <a:rPr lang="en-US" dirty="0"/>
-              <a:t>Module 6</a:t>
-            </a:r>
+              <a:rPr lang="en-US">
+                <a:cs typeface="Segoe UI"/>
+              </a:rPr>
+              <a:t>Module 3</a:t>
+            </a:r>
+            <a:endParaRPr lang="en-US" dirty="0"/>
           </a:p>
         </p:txBody>
       </p:sp>
@@ -17776,17 +17816,8 @@
 </file>
 
 <file path=customXml/item1.xml><?xml version="1.0" encoding="utf-8"?>
-<?mso-contentType ?>
-<FormTemplates xmlns="http://schemas.microsoft.com/sharepoint/v3/contenttype/forms">
-  <Display>DocumentLibraryForm</Display>
-  <Edit>DocumentLibraryForm</Edit>
-  <New>DocumentLibraryForm</New>
-</FormTemplates>
-</file>
-
-<file path=customXml/item2.xml><?xml version="1.0" encoding="utf-8"?>
-<ct:contentTypeSchema xmlns:ct="http://schemas.microsoft.com/office/2006/metadata/contentType" xmlns:ma="http://schemas.microsoft.com/office/2006/metadata/properties/metaAttributes" ct:_="" ma:_="" ma:contentTypeName="Document" ma:contentTypeID="0x010100B8CFE09A3088BA4C8DAD689BB01679B8" ma:contentTypeVersion="9" ma:contentTypeDescription="Create a new document." ma:contentTypeScope="" ma:versionID="9901e68310f0a69fd8d438338a747a78">
-  <xsd:schema xmlns:xsd="http://www.w3.org/2001/XMLSchema" xmlns:xs="http://www.w3.org/2001/XMLSchema" xmlns:p="http://schemas.microsoft.com/office/2006/metadata/properties" xmlns:ns2="30241bb1-3633-4696-a205-62244f9c1dd7" targetNamespace="http://schemas.microsoft.com/office/2006/metadata/properties" ma:root="true" ma:fieldsID="eeadd9cebd65e56a7a0d685c55c99f9d" ns2:_="">
+<ct:contentTypeSchema xmlns:ct="http://schemas.microsoft.com/office/2006/metadata/contentType" xmlns:ma="http://schemas.microsoft.com/office/2006/metadata/properties/metaAttributes" ct:_="" ma:_="" ma:contentTypeName="Document" ma:contentTypeID="0x010100B8CFE09A3088BA4C8DAD689BB01679B8" ma:contentTypeVersion="10" ma:contentTypeDescription="Create a new document." ma:contentTypeScope="" ma:versionID="76f34acd9020c8ce1aab729b67fd078e">
+  <xsd:schema xmlns:xsd="http://www.w3.org/2001/XMLSchema" xmlns:xs="http://www.w3.org/2001/XMLSchema" xmlns:p="http://schemas.microsoft.com/office/2006/metadata/properties" xmlns:ns2="30241bb1-3633-4696-a205-62244f9c1dd7" targetNamespace="http://schemas.microsoft.com/office/2006/metadata/properties" ma:root="true" ma:fieldsID="a37d36f2a6ec64e42d083cbe14a0e6d2" ns2:_="">
     <xsd:import namespace="30241bb1-3633-4696-a205-62244f9c1dd7"/>
     <xsd:element name="properties">
       <xsd:complexType>
@@ -17803,6 +17834,7 @@
                 <xsd:element ref="ns2:MediaServiceGenerationTime" minOccurs="0"/>
                 <xsd:element ref="ns2:MediaServiceEventHashCode" minOccurs="0"/>
                 <xsd:element ref="ns2:MediaServiceOCR" minOccurs="0"/>
+                <xsd:element ref="ns2:MediaServiceObjectDetectorVersions" minOccurs="0"/>
               </xsd:all>
             </xsd:complexType>
           </xsd:element>
@@ -17860,6 +17892,11 @@
         <xsd:restriction base="dms:Note">
           <xsd:maxLength value="255"/>
         </xsd:restriction>
+      </xsd:simpleType>
+    </xsd:element>
+    <xsd:element name="MediaServiceObjectDetectorVersions" ma:index="17" nillable="true" ma:displayName="MediaServiceObjectDetectorVersions" ma:hidden="true" ma:indexed="true" ma:internalName="MediaServiceObjectDetectorVersions" ma:readOnly="true">
+      <xsd:simpleType>
+        <xsd:restriction base="dms:Text"/>
       </xsd:simpleType>
     </xsd:element>
   </xsd:schema>
@@ -17962,6 +17999,15 @@
 </ct:contentTypeSchema>
 </file>
 
+<file path=customXml/item2.xml><?xml version="1.0" encoding="utf-8"?>
+<?mso-contentType ?>
+<FormTemplates xmlns="http://schemas.microsoft.com/sharepoint/v3/contenttype/forms">
+  <Display>DocumentLibraryForm</Display>
+  <Edit>DocumentLibraryForm</Edit>
+  <New>DocumentLibraryForm</New>
+</FormTemplates>
+</file>
+
 <file path=customXml/item3.xml><?xml version="1.0" encoding="utf-8"?>
 <p:properties xmlns:p="http://schemas.microsoft.com/office/2006/metadata/properties" xmlns:xsi="http://www.w3.org/2001/XMLSchema-instance" xmlns:pc="http://schemas.microsoft.com/office/infopath/2007/PartnerControls">
   <documentManagement/>
@@ -17969,15 +18015,15 @@
 </file>
 
 <file path=customXml/itemProps1.xml><?xml version="1.0" encoding="utf-8"?>
+<ds:datastoreItem xmlns:ds="http://schemas.openxmlformats.org/officeDocument/2006/customXml" ds:itemID="{02BD5C8F-D1A4-4BFB-8AFD-AD7510B1EB20}"/>
+</file>
+
+<file path=customXml/itemProps2.xml><?xml version="1.0" encoding="utf-8"?>
 <ds:datastoreItem xmlns:ds="http://schemas.openxmlformats.org/officeDocument/2006/customXml" ds:itemID="{08B55F93-F793-45E6-8EF9-B02CA25D11D4}">
   <ds:schemaRefs>
     <ds:schemaRef ds:uri="http://schemas.microsoft.com/sharepoint/v3/contenttype/forms"/>
   </ds:schemaRefs>
 </ds:datastoreItem>
-</file>
-
-<file path=customXml/itemProps2.xml><?xml version="1.0" encoding="utf-8"?>
-<ds:datastoreItem xmlns:ds="http://schemas.openxmlformats.org/officeDocument/2006/customXml" ds:itemID="{45F0EC63-89F4-44B4-B58D-53EDCECDC580}"/>
 </file>
 
 <file path=customXml/itemProps3.xml><?xml version="1.0" encoding="utf-8"?>

--- a/slides/Dantoni-Opsgility-MSFabric-Module3 v2.pptx
+++ b/slides/Dantoni-Opsgility-MSFabric-Module3 v2.pptx
@@ -3529,7 +3529,7 @@
           <a:p>
             <a:fld id="{0D354273-E04F-4A6B-AB46-301CAB090479}" type="datetimeFigureOut">
               <a:rPr lang="en-US" smtClean="0"/>
-              <a:t>9/25/2023</a:t>
+              <a:t>11/21/2023</a:t>
             </a:fld>
             <a:endParaRPr lang="en-US"/>
           </a:p>
@@ -16854,10 +16854,10 @@
       </p:sp>
       <p:pic>
         <p:nvPicPr>
-          <p:cNvPr id="9" name="Picture 8" descr="A screenshot of a computer&#10;&#10;Description automatically generated">
+          <p:cNvPr id="4" name="Picture 3">
             <a:extLst>
               <a:ext uri="{FF2B5EF4-FFF2-40B4-BE49-F238E27FC236}">
-                <a16:creationId xmlns:a16="http://schemas.microsoft.com/office/drawing/2014/main" id="{D5A58BC9-622D-786B-FB32-75300CC47CD8}"/>
+                <a16:creationId xmlns:a16="http://schemas.microsoft.com/office/drawing/2014/main" id="{0990AA46-B2DA-E084-BEBF-EDBA28436A82}"/>
               </a:ext>
             </a:extLst>
           </p:cNvPr>
@@ -16866,22 +16866,15 @@
           </p:cNvPicPr>
           <p:nvPr/>
         </p:nvPicPr>
-        <p:blipFill>
-          <a:blip r:embed="rId3">
-            <a:extLst>
-              <a:ext uri="{28A0092B-C50C-407E-A947-70E740481C1C}">
-                <a14:useLocalDpi xmlns:a14="http://schemas.microsoft.com/office/drawing/2010/main" val="0"/>
-              </a:ext>
-            </a:extLst>
-          </a:blip>
-          <a:stretch>
-            <a:fillRect/>
-          </a:stretch>
+        <p:blipFill rotWithShape="1">
+          <a:blip r:embed="rId3"/>
+          <a:srcRect b="8385"/>
+          <a:stretch/>
         </p:blipFill>
         <p:spPr>
           <a:xfrm>
-            <a:off x="864559" y="1813588"/>
-            <a:ext cx="5080000" cy="4000500"/>
+            <a:off x="588263" y="1949776"/>
+            <a:ext cx="5441265" cy="3210582"/>
           </a:xfrm>
           <a:prstGeom prst="rect">
             <a:avLst/>
@@ -16890,10 +16883,10 @@
       </p:pic>
       <p:pic>
         <p:nvPicPr>
-          <p:cNvPr id="11" name="Picture 10" descr="A screenshot of a computer&#10;&#10;Description automatically generated">
+          <p:cNvPr id="6" name="Picture 5">
             <a:extLst>
               <a:ext uri="{FF2B5EF4-FFF2-40B4-BE49-F238E27FC236}">
-                <a16:creationId xmlns:a16="http://schemas.microsoft.com/office/drawing/2014/main" id="{9AEEFD89-223D-CED5-0EC8-630EC5E1D929}"/>
+                <a16:creationId xmlns:a16="http://schemas.microsoft.com/office/drawing/2014/main" id="{E60C1017-DB32-5690-6F97-439C6664E0E7}"/>
               </a:ext>
             </a:extLst>
           </p:cNvPr>
@@ -16902,22 +16895,15 @@
           </p:cNvPicPr>
           <p:nvPr/>
         </p:nvPicPr>
-        <p:blipFill>
-          <a:blip r:embed="rId4">
-            <a:extLst>
-              <a:ext uri="{28A0092B-C50C-407E-A947-70E740481C1C}">
-                <a14:useLocalDpi xmlns:a14="http://schemas.microsoft.com/office/drawing/2010/main" val="0"/>
-              </a:ext>
-            </a:extLst>
-          </a:blip>
-          <a:stretch>
-            <a:fillRect/>
-          </a:stretch>
+        <p:blipFill rotWithShape="1">
+          <a:blip r:embed="rId4"/>
+          <a:srcRect r="5489"/>
+          <a:stretch/>
         </p:blipFill>
         <p:spPr>
           <a:xfrm>
-            <a:off x="6697932" y="1813588"/>
-            <a:ext cx="5080000" cy="4000500"/>
+            <a:off x="6368375" y="1949776"/>
+            <a:ext cx="5551512" cy="3210582"/>
           </a:xfrm>
           <a:prstGeom prst="rect">
             <a:avLst/>
@@ -17816,6 +17802,15 @@
 </file>
 
 <file path=customXml/item1.xml><?xml version="1.0" encoding="utf-8"?>
+<?mso-contentType ?>
+<FormTemplates xmlns="http://schemas.microsoft.com/sharepoint/v3/contenttype/forms">
+  <Display>DocumentLibraryForm</Display>
+  <Edit>DocumentLibraryForm</Edit>
+  <New>DocumentLibraryForm</New>
+</FormTemplates>
+</file>
+
+<file path=customXml/item2.xml><?xml version="1.0" encoding="utf-8"?>
 <ct:contentTypeSchema xmlns:ct="http://schemas.microsoft.com/office/2006/metadata/contentType" xmlns:ma="http://schemas.microsoft.com/office/2006/metadata/properties/metaAttributes" ct:_="" ma:_="" ma:contentTypeName="Document" ma:contentTypeID="0x010100B8CFE09A3088BA4C8DAD689BB01679B8" ma:contentTypeVersion="10" ma:contentTypeDescription="Create a new document." ma:contentTypeScope="" ma:versionID="76f34acd9020c8ce1aab729b67fd078e">
   <xsd:schema xmlns:xsd="http://www.w3.org/2001/XMLSchema" xmlns:xs="http://www.w3.org/2001/XMLSchema" xmlns:p="http://schemas.microsoft.com/office/2006/metadata/properties" xmlns:ns2="30241bb1-3633-4696-a205-62244f9c1dd7" targetNamespace="http://schemas.microsoft.com/office/2006/metadata/properties" ma:root="true" ma:fieldsID="a37d36f2a6ec64e42d083cbe14a0e6d2" ns2:_="">
     <xsd:import namespace="30241bb1-3633-4696-a205-62244f9c1dd7"/>
@@ -17999,15 +17994,6 @@
 </ct:contentTypeSchema>
 </file>
 
-<file path=customXml/item2.xml><?xml version="1.0" encoding="utf-8"?>
-<?mso-contentType ?>
-<FormTemplates xmlns="http://schemas.microsoft.com/sharepoint/v3/contenttype/forms">
-  <Display>DocumentLibraryForm</Display>
-  <Edit>DocumentLibraryForm</Edit>
-  <New>DocumentLibraryForm</New>
-</FormTemplates>
-</file>
-
 <file path=customXml/item3.xml><?xml version="1.0" encoding="utf-8"?>
 <p:properties xmlns:p="http://schemas.microsoft.com/office/2006/metadata/properties" xmlns:xsi="http://www.w3.org/2001/XMLSchema-instance" xmlns:pc="http://schemas.microsoft.com/office/infopath/2007/PartnerControls">
   <documentManagement/>
@@ -18015,13 +18001,27 @@
 </file>
 
 <file path=customXml/itemProps1.xml><?xml version="1.0" encoding="utf-8"?>
-<ds:datastoreItem xmlns:ds="http://schemas.openxmlformats.org/officeDocument/2006/customXml" ds:itemID="{02BD5C8F-D1A4-4BFB-8AFD-AD7510B1EB20}"/>
+<ds:datastoreItem xmlns:ds="http://schemas.openxmlformats.org/officeDocument/2006/customXml" ds:itemID="{08B55F93-F793-45E6-8EF9-B02CA25D11D4}">
+  <ds:schemaRefs>
+    <ds:schemaRef ds:uri="http://schemas.microsoft.com/sharepoint/v3/contenttype/forms"/>
+  </ds:schemaRefs>
+</ds:datastoreItem>
 </file>
 
 <file path=customXml/itemProps2.xml><?xml version="1.0" encoding="utf-8"?>
-<ds:datastoreItem xmlns:ds="http://schemas.openxmlformats.org/officeDocument/2006/customXml" ds:itemID="{08B55F93-F793-45E6-8EF9-B02CA25D11D4}">
+<ds:datastoreItem xmlns:ds="http://schemas.openxmlformats.org/officeDocument/2006/customXml" ds:itemID="{02BD5C8F-D1A4-4BFB-8AFD-AD7510B1EB20}">
   <ds:schemaRefs>
-    <ds:schemaRef ds:uri="http://schemas.microsoft.com/sharepoint/v3/contenttype/forms"/>
+    <ds:schemaRef ds:uri="http://schemas.microsoft.com/office/2006/metadata/contentType"/>
+    <ds:schemaRef ds:uri="http://schemas.microsoft.com/office/2006/metadata/properties/metaAttributes"/>
+    <ds:schemaRef ds:uri="http://www.w3.org/2001/XMLSchema"/>
+    <ds:schemaRef ds:uri="http://schemas.microsoft.com/office/2006/metadata/properties"/>
+    <ds:schemaRef ds:uri="30241bb1-3633-4696-a205-62244f9c1dd7"/>
+    <ds:schemaRef ds:uri="http://schemas.microsoft.com/office/2006/documentManagement/types"/>
+    <ds:schemaRef ds:uri="http://schemas.microsoft.com/office/infopath/2007/PartnerControls"/>
+    <ds:schemaRef ds:uri="http://schemas.openxmlformats.org/package/2006/metadata/core-properties"/>
+    <ds:schemaRef ds:uri="http://purl.org/dc/elements/1.1/"/>
+    <ds:schemaRef ds:uri="http://purl.org/dc/terms/"/>
+    <ds:schemaRef ds:uri="http://schemas.microsoft.com/internal/obd"/>
   </ds:schemaRefs>
 </ds:datastoreItem>
 </file>
